--- a/Poster_final.pptx
+++ b/Poster_final.pptx
@@ -197,7 +197,7 @@
           <a:p>
             <a:fld id="{AF31F2BE-327F-46C1-AAF3-D0DFD43CF11F}" type="datetimeFigureOut">
               <a:rPr lang="en-DE" smtClean="0"/>
-              <a:t>10.02.25</a:t>
+              <a:t>11.02.25</a:t>
             </a:fld>
             <a:endParaRPr lang="en-DE"/>
           </a:p>
@@ -680,7 +680,7 @@
           <a:p>
             <a:fld id="{263D96CF-7D4C-4376-B085-21D375AE473A}" type="datetimeFigureOut">
               <a:rPr lang="en-DE" smtClean="0"/>
-              <a:t>10.02.25</a:t>
+              <a:t>11.02.25</a:t>
             </a:fld>
             <a:endParaRPr lang="en-DE"/>
           </a:p>
@@ -850,7 +850,7 @@
           <a:p>
             <a:fld id="{263D96CF-7D4C-4376-B085-21D375AE473A}" type="datetimeFigureOut">
               <a:rPr lang="en-DE" smtClean="0"/>
-              <a:t>10.02.25</a:t>
+              <a:t>11.02.25</a:t>
             </a:fld>
             <a:endParaRPr lang="en-DE"/>
           </a:p>
@@ -1030,7 +1030,7 @@
           <a:p>
             <a:fld id="{263D96CF-7D4C-4376-B085-21D375AE473A}" type="datetimeFigureOut">
               <a:rPr lang="en-DE" smtClean="0"/>
-              <a:t>10.02.25</a:t>
+              <a:t>11.02.25</a:t>
             </a:fld>
             <a:endParaRPr lang="en-DE"/>
           </a:p>
@@ -1200,7 +1200,7 @@
           <a:p>
             <a:fld id="{263D96CF-7D4C-4376-B085-21D375AE473A}" type="datetimeFigureOut">
               <a:rPr lang="en-DE" smtClean="0"/>
-              <a:t>10.02.25</a:t>
+              <a:t>11.02.25</a:t>
             </a:fld>
             <a:endParaRPr lang="en-DE"/>
           </a:p>
@@ -1446,7 +1446,7 @@
           <a:p>
             <a:fld id="{263D96CF-7D4C-4376-B085-21D375AE473A}" type="datetimeFigureOut">
               <a:rPr lang="en-DE" smtClean="0"/>
-              <a:t>10.02.25</a:t>
+              <a:t>11.02.25</a:t>
             </a:fld>
             <a:endParaRPr lang="en-DE"/>
           </a:p>
@@ -1678,7 +1678,7 @@
           <a:p>
             <a:fld id="{263D96CF-7D4C-4376-B085-21D375AE473A}" type="datetimeFigureOut">
               <a:rPr lang="en-DE" smtClean="0"/>
-              <a:t>10.02.25</a:t>
+              <a:t>11.02.25</a:t>
             </a:fld>
             <a:endParaRPr lang="en-DE"/>
           </a:p>
@@ -2045,7 +2045,7 @@
           <a:p>
             <a:fld id="{263D96CF-7D4C-4376-B085-21D375AE473A}" type="datetimeFigureOut">
               <a:rPr lang="en-DE" smtClean="0"/>
-              <a:t>10.02.25</a:t>
+              <a:t>11.02.25</a:t>
             </a:fld>
             <a:endParaRPr lang="en-DE"/>
           </a:p>
@@ -2163,7 +2163,7 @@
           <a:p>
             <a:fld id="{263D96CF-7D4C-4376-B085-21D375AE473A}" type="datetimeFigureOut">
               <a:rPr lang="en-DE" smtClean="0"/>
-              <a:t>10.02.25</a:t>
+              <a:t>11.02.25</a:t>
             </a:fld>
             <a:endParaRPr lang="en-DE"/>
           </a:p>
@@ -2258,7 +2258,7 @@
           <a:p>
             <a:fld id="{263D96CF-7D4C-4376-B085-21D375AE473A}" type="datetimeFigureOut">
               <a:rPr lang="en-DE" smtClean="0"/>
-              <a:t>10.02.25</a:t>
+              <a:t>11.02.25</a:t>
             </a:fld>
             <a:endParaRPr lang="en-DE"/>
           </a:p>
@@ -2535,7 +2535,7 @@
           <a:p>
             <a:fld id="{263D96CF-7D4C-4376-B085-21D375AE473A}" type="datetimeFigureOut">
               <a:rPr lang="en-DE" smtClean="0"/>
-              <a:t>10.02.25</a:t>
+              <a:t>11.02.25</a:t>
             </a:fld>
             <a:endParaRPr lang="en-DE"/>
           </a:p>
@@ -2792,7 +2792,7 @@
           <a:p>
             <a:fld id="{263D96CF-7D4C-4376-B085-21D375AE473A}" type="datetimeFigureOut">
               <a:rPr lang="en-DE" smtClean="0"/>
-              <a:t>10.02.25</a:t>
+              <a:t>11.02.25</a:t>
             </a:fld>
             <a:endParaRPr lang="en-DE"/>
           </a:p>
@@ -3005,7 +3005,7 @@
           <a:p>
             <a:fld id="{263D96CF-7D4C-4376-B085-21D375AE473A}" type="datetimeFigureOut">
               <a:rPr lang="en-DE" smtClean="0"/>
-              <a:t>10.02.25</a:t>
+              <a:t>11.02.25</a:t>
             </a:fld>
             <a:endParaRPr lang="en-DE"/>
           </a:p>
@@ -3434,8 +3434,8 @@
         </p:nvSpPr>
         <p:spPr>
           <a:xfrm>
-            <a:off x="214666" y="39775285"/>
-            <a:ext cx="15063434" cy="2790963"/>
+            <a:off x="214666" y="40345225"/>
+            <a:ext cx="15063434" cy="2221023"/>
           </a:xfrm>
           <a:prstGeom prst="rect">
             <a:avLst/>
@@ -3904,8 +3904,8 @@
         </p:blipFill>
         <p:spPr bwMode="auto">
           <a:xfrm>
-            <a:off x="355762" y="40345225"/>
-            <a:ext cx="2093820" cy="2093820"/>
+            <a:off x="578774" y="40683032"/>
+            <a:ext cx="1814672" cy="1814672"/>
           </a:xfrm>
           <a:prstGeom prst="rect">
             <a:avLst/>
@@ -4291,8 +4291,8 @@
           </a:p>
         </p:txBody>
       </p:sp>
-      <mc:AlternateContent xmlns:mc="http://schemas.openxmlformats.org/markup-compatibility/2006" xmlns:a14="http://schemas.microsoft.com/office/drawing/2010/main">
-        <mc:Choice Requires="a14">
+      <mc:AlternateContent xmlns:mc="http://schemas.openxmlformats.org/markup-compatibility/2006">
+        <mc:Choice xmlns:a14="http://schemas.microsoft.com/office/drawing/2010/main" Requires="a14">
           <p:sp>
             <p:nvSpPr>
               <p:cNvPr id="17" name="Inhaltsplatzhalter 26">
@@ -4589,7 +4589,7 @@
                     <a:ea typeface="+mn-lt"/>
                     <a:cs typeface="Helvetica" panose="020B0604020202020204" pitchFamily="34" charset="0"/>
                   </a:rPr>
-                  <a:t>168 Studien der Sozial- und Allgemeinen Psychologie</a:t>
+                  <a:t>168 Befunde der Sozial- und Allgemeinen Psychologie</a:t>
                 </a:r>
               </a:p>
               <a:p>
@@ -4677,7 +4677,7 @@
                     <a:latin typeface="Helvetica" panose="020B0604020202020204" pitchFamily="34" charset="0"/>
                     <a:cs typeface="Helvetica" panose="020B0604020202020204" pitchFamily="34" charset="0"/>
                   </a:rPr>
-                  <a:t>Studien (</a:t>
+                  <a:t>Befunde (</a:t>
                 </a:r>
                 <a14:m>
                   <m:oMath xmlns:m="http://schemas.openxmlformats.org/officeDocument/2006/math">
@@ -4935,7 +4935,7 @@
             </p:txBody>
           </p:sp>
         </mc:Choice>
-        <mc:Fallback xmlns="">
+        <mc:Fallback>
           <p:sp>
             <p:nvSpPr>
               <p:cNvPr id="17" name="Inhaltsplatzhalter 26">
@@ -5355,7 +5355,7 @@
         <p:spPr>
           <a:xfrm>
             <a:off x="578775" y="6691508"/>
-            <a:ext cx="4145982" cy="634394"/>
+            <a:ext cx="4680000" cy="634394"/>
           </a:xfrm>
           <a:prstGeom prst="round1Rect">
             <a:avLst>
@@ -5618,7 +5618,7 @@
         <p:spPr>
           <a:xfrm>
             <a:off x="643405" y="15522581"/>
-            <a:ext cx="4145982" cy="729411"/>
+            <a:ext cx="4680000" cy="729411"/>
           </a:xfrm>
           <a:prstGeom prst="round1Rect">
             <a:avLst>
@@ -5880,8 +5880,8 @@
         </p:nvSpPr>
         <p:spPr>
           <a:xfrm>
-            <a:off x="578775" y="2955140"/>
-            <a:ext cx="4576409" cy="729411"/>
+            <a:off x="578774" y="2955140"/>
+            <a:ext cx="4680000" cy="729411"/>
           </a:xfrm>
           <a:prstGeom prst="round1Rect">
             <a:avLst>
@@ -6144,7 +6144,7 @@
         <p:spPr>
           <a:xfrm>
             <a:off x="396045" y="29743229"/>
-            <a:ext cx="14901510" cy="9302645"/>
+            <a:ext cx="14901510" cy="9877701"/>
           </a:xfrm>
           <a:prstGeom prst="rect">
             <a:avLst/>
@@ -6495,21 +6495,28 @@
                 <a:latin typeface="Helvetica" pitchFamily="2" charset="0"/>
                 <a:cs typeface="Calibri"/>
               </a:rPr>
-              <a:t>Anmerkung. OR-Verteilungsdichte über 100 Iterationen des Outer </a:t>
-            </a:r>
-            <a:r>
-              <a:rPr lang="de-DE" sz="2800" i="1" dirty="0" err="1">
+              <a:t>Anmerkung. </a:t>
+            </a:r>
+            <a:r>
+              <a:rPr lang="de-DE" sz="2800" dirty="0">
                 <a:latin typeface="Helvetica" pitchFamily="2" charset="0"/>
                 <a:cs typeface="Calibri"/>
               </a:rPr>
-              <a:t>Resamplings</a:t>
-            </a:r>
-            <a:r>
-              <a:rPr lang="de-DE" sz="2800" i="1" dirty="0">
+              <a:t>OR-Verteilungsdichte über 100 Iterationen des Outer </a:t>
+            </a:r>
+            <a:r>
+              <a:rPr lang="de-DE" sz="2800" dirty="0" err="1">
                 <a:latin typeface="Helvetica" pitchFamily="2" charset="0"/>
                 <a:cs typeface="Calibri"/>
               </a:rPr>
-              <a:t>.</a:t>
+              <a:t>Resamplings</a:t>
+            </a:r>
+            <a:r>
+              <a:rPr lang="de-DE" sz="2800" dirty="0">
+                <a:latin typeface="Helvetica" pitchFamily="2" charset="0"/>
+                <a:cs typeface="Calibri"/>
+              </a:rPr>
+              <a:t>. Referenzkategorien - Effekt: Haupteffekt; p-Wert: &lt; .01; Autor*innen: 1 Autor*in</a:t>
             </a:r>
             <a:endParaRPr lang="de-DE" sz="2800" b="1" dirty="0">
               <a:latin typeface="Helvetica" pitchFamily="2" charset="0"/>
@@ -6606,8 +6613,8 @@
         </p:nvSpPr>
         <p:spPr>
           <a:xfrm>
-            <a:off x="438535" y="39330844"/>
-            <a:ext cx="8419138" cy="729411"/>
+            <a:off x="438535" y="39915459"/>
+            <a:ext cx="8640000" cy="729411"/>
           </a:xfrm>
           <a:prstGeom prst="round1Rect">
             <a:avLst>
@@ -7176,6 +7183,23 @@
               </a:rPr>
               <a:t>Das beste Modell kann menschliche Beurteilung nicht übertreffen </a:t>
             </a:r>
+            <a:r>
+              <a:rPr lang="de-DE" sz="2800" dirty="0">
+                <a:solidFill>
+                  <a:srgbClr val="000000"/>
+                </a:solidFill>
+                <a:latin typeface="Helvetica" pitchFamily="2" charset="0"/>
+              </a:rPr>
+              <a:t>[2]</a:t>
+            </a:r>
+            <a:endParaRPr lang="de-DE" sz="3600" dirty="0">
+              <a:solidFill>
+                <a:schemeClr val="bg2">
+                  <a:lumMod val="10000"/>
+                </a:schemeClr>
+              </a:solidFill>
+              <a:latin typeface="Helvetica" pitchFamily="2" charset="0"/>
+            </a:endParaRPr>
           </a:p>
           <a:p>
             <a:pPr lvl="1">
@@ -7193,7 +7217,7 @@
               <a:t>Empirisch ausgewählte Prädiktoren stärkste Vorhersagekraft </a:t>
             </a:r>
             <a:r>
-              <a:rPr lang="de-DE" sz="2432" dirty="0">
+              <a:rPr lang="de-DE" sz="2800" dirty="0">
                 <a:solidFill>
                   <a:srgbClr val="000000"/>
                 </a:solidFill>
@@ -7201,12 +7225,6 @@
               </a:rPr>
               <a:t>[2]</a:t>
             </a:r>
-            <a:endParaRPr lang="de-DE" sz="3432" dirty="0">
-              <a:solidFill>
-                <a:srgbClr val="000000"/>
-              </a:solidFill>
-              <a:latin typeface="Helvetica" pitchFamily="2" charset="0"/>
-            </a:endParaRPr>
           </a:p>
           <a:p>
             <a:pPr marL="0" indent="0">
@@ -7432,7 +7450,7 @@
         <p:spPr>
           <a:xfrm>
             <a:off x="15740600" y="29483103"/>
-            <a:ext cx="3160436" cy="654969"/>
+            <a:ext cx="4680000" cy="654969"/>
           </a:xfrm>
           <a:prstGeom prst="round1Rect">
             <a:avLst>
@@ -7789,8 +7807,8 @@
         </p:nvSpPr>
         <p:spPr>
           <a:xfrm>
-            <a:off x="2594068" y="40112923"/>
-            <a:ext cx="12527210" cy="2400657"/>
+            <a:off x="2656918" y="40782507"/>
+            <a:ext cx="12527210" cy="1569660"/>
           </a:xfrm>
           <a:prstGeom prst="rect">
             <a:avLst/>
@@ -7804,7 +7822,7 @@
           <a:lstStyle/>
           <a:p>
             <a:r>
-              <a:rPr lang="en-US" sz="1500" b="0" i="0" dirty="0">
+              <a:rPr lang="en-US" sz="1200" b="0" i="0" dirty="0">
                 <a:effectLst/>
                 <a:latin typeface="Helvetica" panose="020B0604020202020204" pitchFamily="34" charset="0"/>
                 <a:cs typeface="Helvetica" panose="020B0604020202020204" pitchFamily="34" charset="0"/>
@@ -7812,7 +7830,7 @@
               <a:t>[1] Open Science Collaboration. (2015). Estimating the reproducibility of psychological science. </a:t>
             </a:r>
             <a:r>
-              <a:rPr lang="en-US" sz="1500" b="0" i="1" dirty="0">
+              <a:rPr lang="en-US" sz="1200" b="0" i="1" dirty="0">
                 <a:effectLst/>
                 <a:latin typeface="Helvetica" panose="020B0604020202020204" pitchFamily="34" charset="0"/>
                 <a:cs typeface="Helvetica" panose="020B0604020202020204" pitchFamily="34" charset="0"/>
@@ -7820,7 +7838,7 @@
               <a:t>Science</a:t>
             </a:r>
             <a:r>
-              <a:rPr lang="en-US" sz="1500" b="0" i="0" dirty="0">
+              <a:rPr lang="en-US" sz="1200" b="0" i="0" dirty="0">
                 <a:effectLst/>
                 <a:latin typeface="Helvetica" panose="020B0604020202020204" pitchFamily="34" charset="0"/>
                 <a:cs typeface="Helvetica" panose="020B0604020202020204" pitchFamily="34" charset="0"/>
@@ -7831,7 +7849,7 @@
           <a:p>
             <a:pPr marL="279400" indent="-279400"/>
             <a:r>
-              <a:rPr lang="en-US" sz="1500" b="0" i="0" dirty="0">
+              <a:rPr lang="en-US" sz="1200" b="0" i="0" dirty="0">
                 <a:effectLst/>
                 <a:latin typeface="Helvetica" panose="020B0604020202020204" pitchFamily="34" charset="0"/>
                 <a:cs typeface="Helvetica" panose="020B0604020202020204" pitchFamily="34" charset="0"/>
@@ -7839,7 +7857,7 @@
               <a:t>[2] Nosek, B. A., Hardwicke, T. E., </a:t>
             </a:r>
             <a:r>
-              <a:rPr lang="en-US" sz="1500" b="0" i="0" dirty="0" err="1">
+              <a:rPr lang="en-US" sz="1200" b="0" i="0" dirty="0" err="1">
                 <a:effectLst/>
                 <a:latin typeface="Helvetica" panose="020B0604020202020204" pitchFamily="34" charset="0"/>
                 <a:cs typeface="Helvetica" panose="020B0604020202020204" pitchFamily="34" charset="0"/>
@@ -7847,7 +7865,7 @@
               <a:t>Moshontz</a:t>
             </a:r>
             <a:r>
-              <a:rPr lang="en-US" sz="1500" b="0" i="0" dirty="0">
+              <a:rPr lang="en-US" sz="1200" b="0" i="0" dirty="0">
                 <a:effectLst/>
                 <a:latin typeface="Helvetica" panose="020B0604020202020204" pitchFamily="34" charset="0"/>
                 <a:cs typeface="Helvetica" panose="020B0604020202020204" pitchFamily="34" charset="0"/>
@@ -7855,7 +7873,7 @@
               <a:t>, H., Allard, A., Corker, K. S., </a:t>
             </a:r>
             <a:r>
-              <a:rPr lang="en-US" sz="1500" b="0" i="0" dirty="0" err="1">
+              <a:rPr lang="en-US" sz="1200" b="0" i="0" dirty="0" err="1">
                 <a:effectLst/>
                 <a:latin typeface="Helvetica" panose="020B0604020202020204" pitchFamily="34" charset="0"/>
                 <a:cs typeface="Helvetica" panose="020B0604020202020204" pitchFamily="34" charset="0"/>
@@ -7863,7 +7881,7 @@
               <a:t>Dreber</a:t>
             </a:r>
             <a:r>
-              <a:rPr lang="en-US" sz="1500" b="0" i="0" dirty="0">
+              <a:rPr lang="en-US" sz="1200" b="0" i="0" dirty="0">
                 <a:effectLst/>
                 <a:latin typeface="Helvetica" panose="020B0604020202020204" pitchFamily="34" charset="0"/>
                 <a:cs typeface="Helvetica" panose="020B0604020202020204" pitchFamily="34" charset="0"/>
@@ -7871,7 +7889,7 @@
               <a:t>, A., Fidler, F., Hilgard, J., </a:t>
             </a:r>
             <a:r>
-              <a:rPr lang="en-US" sz="1500" b="0" i="0" dirty="0" err="1">
+              <a:rPr lang="en-US" sz="1200" b="0" i="0" dirty="0" err="1">
                 <a:effectLst/>
                 <a:latin typeface="Helvetica" panose="020B0604020202020204" pitchFamily="34" charset="0"/>
                 <a:cs typeface="Helvetica" panose="020B0604020202020204" pitchFamily="34" charset="0"/>
@@ -7879,7 +7897,7 @@
               <a:t>Struhl</a:t>
             </a:r>
             <a:r>
-              <a:rPr lang="en-US" sz="1500" b="0" i="0" dirty="0">
+              <a:rPr lang="en-US" sz="1200" b="0" i="0" dirty="0">
                 <a:effectLst/>
                 <a:latin typeface="Helvetica" panose="020B0604020202020204" pitchFamily="34" charset="0"/>
                 <a:cs typeface="Helvetica" panose="020B0604020202020204" pitchFamily="34" charset="0"/>
@@ -7887,7 +7905,7 @@
               <a:t>, M. K., </a:t>
             </a:r>
             <a:r>
-              <a:rPr lang="en-US" sz="1500" b="0" i="0" dirty="0" err="1">
+              <a:rPr lang="en-US" sz="1200" b="0" i="0" dirty="0" err="1">
                 <a:effectLst/>
                 <a:latin typeface="Helvetica" panose="020B0604020202020204" pitchFamily="34" charset="0"/>
                 <a:cs typeface="Helvetica" panose="020B0604020202020204" pitchFamily="34" charset="0"/>
@@ -7895,7 +7913,7 @@
               <a:t>Nuijten</a:t>
             </a:r>
             <a:r>
-              <a:rPr lang="en-US" sz="1500" b="0" i="0" dirty="0">
+              <a:rPr lang="en-US" sz="1200" b="0" i="0" dirty="0">
                 <a:effectLst/>
                 <a:latin typeface="Helvetica" panose="020B0604020202020204" pitchFamily="34" charset="0"/>
                 <a:cs typeface="Helvetica" panose="020B0604020202020204" pitchFamily="34" charset="0"/>
@@ -7903,14 +7921,14 @@
               <a:t>, M. B., Rohrer,       J.M., Romero</a:t>
             </a:r>
             <a:r>
-              <a:rPr lang="en-US" sz="1500" dirty="0">
+              <a:rPr lang="en-US" sz="1200" dirty="0">
                 <a:latin typeface="Helvetica" panose="020B0604020202020204" pitchFamily="34" charset="0"/>
                 <a:cs typeface="Helvetica" panose="020B0604020202020204" pitchFamily="34" charset="0"/>
               </a:rPr>
               <a:t>, </a:t>
             </a:r>
             <a:r>
-              <a:rPr lang="en-US" sz="1500" b="0" i="0" dirty="0">
+              <a:rPr lang="en-US" sz="1200" b="0" i="0" dirty="0">
                 <a:effectLst/>
                 <a:latin typeface="Helvetica" panose="020B0604020202020204" pitchFamily="34" charset="0"/>
                 <a:cs typeface="Helvetica" panose="020B0604020202020204" pitchFamily="34" charset="0"/>
@@ -7918,7 +7936,7 @@
               <a:t>F., Scheel, A. M., Scherer, L. D., </a:t>
             </a:r>
             <a:r>
-              <a:rPr lang="en-US" sz="1500" b="0" i="0" dirty="0" err="1">
+              <a:rPr lang="en-US" sz="1200" b="0" i="0" dirty="0" err="1">
                 <a:effectLst/>
                 <a:latin typeface="Helvetica" panose="020B0604020202020204" pitchFamily="34" charset="0"/>
                 <a:cs typeface="Helvetica" panose="020B0604020202020204" pitchFamily="34" charset="0"/>
@@ -7926,7 +7944,7 @@
               <a:t>Schönbrodt</a:t>
             </a:r>
             <a:r>
-              <a:rPr lang="en-US" sz="1500" b="0" i="0" dirty="0">
+              <a:rPr lang="en-US" sz="1200" b="0" i="0" dirty="0">
                 <a:effectLst/>
                 <a:latin typeface="Helvetica" panose="020B0604020202020204" pitchFamily="34" charset="0"/>
                 <a:cs typeface="Helvetica" panose="020B0604020202020204" pitchFamily="34" charset="0"/>
@@ -7934,7 +7952,7 @@
               <a:t>, F. D., &amp; </a:t>
             </a:r>
             <a:r>
-              <a:rPr lang="en-US" sz="1500" b="0" i="0" dirty="0" err="1">
+              <a:rPr lang="en-US" sz="1200" b="0" i="0" dirty="0" err="1">
                 <a:effectLst/>
                 <a:latin typeface="Helvetica" panose="020B0604020202020204" pitchFamily="34" charset="0"/>
                 <a:cs typeface="Helvetica" panose="020B0604020202020204" pitchFamily="34" charset="0"/>
@@ -7942,7 +7960,7 @@
               <a:t>Vazire</a:t>
             </a:r>
             <a:r>
-              <a:rPr lang="en-US" sz="1500" b="0" i="0" dirty="0">
+              <a:rPr lang="en-US" sz="1200" b="0" i="0" dirty="0">
                 <a:effectLst/>
                 <a:latin typeface="Helvetica" panose="020B0604020202020204" pitchFamily="34" charset="0"/>
                 <a:cs typeface="Helvetica" panose="020B0604020202020204" pitchFamily="34" charset="0"/>
@@ -7950,7 +7968,7 @@
               <a:t>, S. (2022). </a:t>
             </a:r>
             <a:r>
-              <a:rPr lang="en-US" sz="1500" b="0" i="1" dirty="0">
+              <a:rPr lang="en-US" sz="1200" b="0" i="1" dirty="0">
                 <a:effectLst/>
                 <a:latin typeface="Helvetica" panose="020B0604020202020204" pitchFamily="34" charset="0"/>
                 <a:cs typeface="Helvetica" panose="020B0604020202020204" pitchFamily="34" charset="0"/>
@@ -7958,7 +7976,7 @@
               <a:t>Replicability, Robustness, and Reproducibility in Psychological Science</a:t>
             </a:r>
             <a:r>
-              <a:rPr lang="en-US" sz="1500" b="0" i="0" dirty="0">
+              <a:rPr lang="en-US" sz="1200" b="0" i="0" dirty="0">
                 <a:effectLst/>
                 <a:latin typeface="Helvetica" panose="020B0604020202020204" pitchFamily="34" charset="0"/>
                 <a:cs typeface="Helvetica" panose="020B0604020202020204" pitchFamily="34" charset="0"/>
@@ -7969,7 +7987,7 @@
           <a:p>
             <a:pPr marL="279400" indent="-279400"/>
             <a:r>
-              <a:rPr lang="en-US" sz="1500" b="0" i="0" dirty="0">
+              <a:rPr lang="en-US" sz="1200" b="0" i="0" dirty="0">
                 <a:effectLst/>
                 <a:latin typeface="Helvetica" panose="020B0604020202020204" pitchFamily="34" charset="0"/>
                 <a:cs typeface="Helvetica" panose="020B0604020202020204" pitchFamily="34" charset="0"/>
@@ -7977,14 +7995,14 @@
               <a:t>[</a:t>
             </a:r>
             <a:r>
-              <a:rPr lang="en-US" sz="1500" dirty="0">
+              <a:rPr lang="en-US" sz="1200" dirty="0">
                 <a:latin typeface="Helvetica" panose="020B0604020202020204" pitchFamily="34" charset="0"/>
                 <a:cs typeface="Helvetica" panose="020B0604020202020204" pitchFamily="34" charset="0"/>
               </a:rPr>
               <a:t>3</a:t>
             </a:r>
             <a:r>
-              <a:rPr lang="en-US" sz="1500" b="0" i="0" dirty="0">
+              <a:rPr lang="en-US" sz="1200" b="0" i="0" dirty="0">
                 <a:effectLst/>
                 <a:latin typeface="Helvetica" panose="020B0604020202020204" pitchFamily="34" charset="0"/>
                 <a:cs typeface="Helvetica" panose="020B0604020202020204" pitchFamily="34" charset="0"/>
@@ -7992,7 +8010,7 @@
               <a:t>] Yang, Y., </a:t>
             </a:r>
             <a:r>
-              <a:rPr lang="en-US" sz="1500" b="0" i="0" dirty="0" err="1">
+              <a:rPr lang="en-US" sz="1200" b="0" i="0" dirty="0" err="1">
                 <a:effectLst/>
                 <a:latin typeface="Helvetica" panose="020B0604020202020204" pitchFamily="34" charset="0"/>
                 <a:cs typeface="Helvetica" panose="020B0604020202020204" pitchFamily="34" charset="0"/>
@@ -8000,7 +8018,7 @@
               <a:t>Youyou</a:t>
             </a:r>
             <a:r>
-              <a:rPr lang="en-US" sz="1500" b="0" i="0" dirty="0">
+              <a:rPr lang="en-US" sz="1200" b="0" i="0" dirty="0">
                 <a:effectLst/>
                 <a:latin typeface="Helvetica" panose="020B0604020202020204" pitchFamily="34" charset="0"/>
                 <a:cs typeface="Helvetica" panose="020B0604020202020204" pitchFamily="34" charset="0"/>
@@ -8008,7 +8026,7 @@
               <a:t>, W., &amp; </a:t>
             </a:r>
             <a:r>
-              <a:rPr lang="en-US" sz="1500" b="0" i="0" dirty="0" err="1">
+              <a:rPr lang="en-US" sz="1200" b="0" i="0" dirty="0" err="1">
                 <a:effectLst/>
                 <a:latin typeface="Helvetica" panose="020B0604020202020204" pitchFamily="34" charset="0"/>
                 <a:cs typeface="Helvetica" panose="020B0604020202020204" pitchFamily="34" charset="0"/>
@@ -8016,7 +8034,7 @@
               <a:t>Uzzi</a:t>
             </a:r>
             <a:r>
-              <a:rPr lang="en-US" sz="1500" b="0" i="0" dirty="0">
+              <a:rPr lang="en-US" sz="1200" b="0" i="0" dirty="0">
                 <a:effectLst/>
                 <a:latin typeface="Helvetica" panose="020B0604020202020204" pitchFamily="34" charset="0"/>
                 <a:cs typeface="Helvetica" panose="020B0604020202020204" pitchFamily="34" charset="0"/>
@@ -8024,7 +8042,7 @@
               <a:t>, B. (2020). Estimating the deep replicability of scientific findings using human and artificial intelligence</a:t>
             </a:r>
             <a:r>
-              <a:rPr lang="en-US" sz="1500" b="0" i="1" dirty="0">
+              <a:rPr lang="en-US" sz="1200" b="0" i="1" dirty="0">
                 <a:effectLst/>
                 <a:latin typeface="Helvetica" panose="020B0604020202020204" pitchFamily="34" charset="0"/>
                 <a:cs typeface="Helvetica" panose="020B0604020202020204" pitchFamily="34" charset="0"/>
@@ -8032,14 +8050,14 @@
               <a:t>.</a:t>
             </a:r>
             <a:r>
-              <a:rPr lang="en-US" sz="1500" i="1" dirty="0">
+              <a:rPr lang="en-US" sz="1200" i="1" dirty="0">
                 <a:latin typeface="Helvetica" panose="020B0604020202020204" pitchFamily="34" charset="0"/>
                 <a:cs typeface="Helvetica" panose="020B0604020202020204" pitchFamily="34" charset="0"/>
               </a:rPr>
               <a:t> </a:t>
             </a:r>
             <a:r>
-              <a:rPr lang="en-US" sz="1500" b="0" i="1" dirty="0">
+              <a:rPr lang="en-US" sz="1200" b="0" i="1" dirty="0">
                 <a:effectLst/>
                 <a:latin typeface="Helvetica" panose="020B0604020202020204" pitchFamily="34" charset="0"/>
                 <a:cs typeface="Helvetica" panose="020B0604020202020204" pitchFamily="34" charset="0"/>
@@ -8047,7 +8065,7 @@
               <a:t>Proceedings of the National Academy of Sciences</a:t>
             </a:r>
             <a:r>
-              <a:rPr lang="en-US" sz="1500" b="0" i="0" dirty="0">
+              <a:rPr lang="en-US" sz="1200" b="0" i="0" dirty="0">
                 <a:effectLst/>
                 <a:latin typeface="Helvetica" panose="020B0604020202020204" pitchFamily="34" charset="0"/>
                 <a:cs typeface="Helvetica" panose="020B0604020202020204" pitchFamily="34" charset="0"/>
@@ -8057,7 +8075,7 @@
           </a:p>
           <a:p>
             <a:r>
-              <a:rPr lang="en-US" sz="1500" b="0" i="0" dirty="0">
+              <a:rPr lang="en-US" sz="1200" b="0" i="0" dirty="0">
                 <a:effectLst/>
                 <a:latin typeface="Helvetica" panose="020B0604020202020204" pitchFamily="34" charset="0"/>
                 <a:cs typeface="Helvetica" panose="020B0604020202020204" pitchFamily="34" charset="0"/>
@@ -8067,7 +8085,7 @@
           </a:p>
           <a:p>
             <a:r>
-              <a:rPr lang="en-US" sz="1500" b="0" i="0" dirty="0">
+              <a:rPr lang="en-US" sz="1200" b="0" i="0" dirty="0">
                 <a:effectLst/>
                 <a:latin typeface="Helvetica" panose="020B0604020202020204" pitchFamily="34" charset="0"/>
                 <a:cs typeface="Helvetica" panose="020B0604020202020204" pitchFamily="34" charset="0"/>
@@ -8075,7 +8093,7 @@
               <a:t>[5] Kuhn, M. (2008). Building Predictive Models in R Using the caret Package. </a:t>
             </a:r>
             <a:r>
-              <a:rPr lang="en-US" sz="1500" b="0" i="1" dirty="0">
+              <a:rPr lang="en-US" sz="1200" b="0" i="1" dirty="0">
                 <a:effectLst/>
                 <a:latin typeface="Helvetica" panose="020B0604020202020204" pitchFamily="34" charset="0"/>
                 <a:cs typeface="Helvetica" panose="020B0604020202020204" pitchFamily="34" charset="0"/>
@@ -8083,7 +8101,7 @@
               <a:t>Journal of Statistical Software</a:t>
             </a:r>
             <a:r>
-              <a:rPr lang="en-US" sz="1500" b="0" i="0" dirty="0">
+              <a:rPr lang="en-US" sz="1200" b="0" i="0" dirty="0">
                 <a:effectLst/>
                 <a:latin typeface="Helvetica" panose="020B0604020202020204" pitchFamily="34" charset="0"/>
                 <a:cs typeface="Helvetica" panose="020B0604020202020204" pitchFamily="34" charset="0"/>
@@ -8094,7 +8112,7 @@
           <a:p>
             <a:pPr marL="279400" indent="-279400"/>
             <a:r>
-              <a:rPr lang="en-US" sz="1500" b="0" i="0" dirty="0">
+              <a:rPr lang="en-US" sz="1200" b="0" i="0" dirty="0">
                 <a:effectLst/>
                 <a:latin typeface="Helvetica" panose="020B0604020202020204" pitchFamily="34" charset="0"/>
                 <a:cs typeface="Helvetica" panose="020B0604020202020204" pitchFamily="34" charset="0"/>
@@ -8102,14 +8120,14 @@
               <a:t>[</a:t>
             </a:r>
             <a:r>
-              <a:rPr lang="en-US" sz="1500" dirty="0">
+              <a:rPr lang="en-US" sz="1200" dirty="0">
                 <a:latin typeface="Helvetica" panose="020B0604020202020204" pitchFamily="34" charset="0"/>
                 <a:cs typeface="Helvetica" panose="020B0604020202020204" pitchFamily="34" charset="0"/>
               </a:rPr>
               <a:t>6</a:t>
             </a:r>
             <a:r>
-              <a:rPr lang="en-US" sz="1500" b="0" i="0" dirty="0">
+              <a:rPr lang="en-US" sz="1200" b="0" i="0" dirty="0">
                 <a:effectLst/>
                 <a:latin typeface="Helvetica" panose="020B0604020202020204" pitchFamily="34" charset="0"/>
                 <a:cs typeface="Helvetica" panose="020B0604020202020204" pitchFamily="34" charset="0"/>
@@ -8117,7 +8135,7 @@
               <a:t>] Sirimongkolkasem, T., &amp; Drikvandi, R. (2019). On </a:t>
             </a:r>
             <a:r>
-              <a:rPr lang="en-US" sz="1500" b="0" i="0" dirty="0" err="1">
+              <a:rPr lang="en-US" sz="1200" b="0" i="0" dirty="0" err="1">
                 <a:effectLst/>
                 <a:latin typeface="Helvetica" panose="020B0604020202020204" pitchFamily="34" charset="0"/>
                 <a:cs typeface="Helvetica" panose="020B0604020202020204" pitchFamily="34" charset="0"/>
@@ -8125,7 +8143,7 @@
               <a:t>Regularisation</a:t>
             </a:r>
             <a:r>
-              <a:rPr lang="en-US" sz="1500" b="0" i="0" dirty="0">
+              <a:rPr lang="en-US" sz="1200" b="0" i="0" dirty="0">
                 <a:effectLst/>
                 <a:latin typeface="Helvetica" panose="020B0604020202020204" pitchFamily="34" charset="0"/>
                 <a:cs typeface="Helvetica" panose="020B0604020202020204" pitchFamily="34" charset="0"/>
@@ -8133,7 +8151,7 @@
               <a:t> Methods for Analysis of High Dimensional Data. </a:t>
             </a:r>
             <a:r>
-              <a:rPr lang="en-US" sz="1500" b="0" i="1" dirty="0">
+              <a:rPr lang="en-US" sz="1200" b="0" i="1" dirty="0">
                 <a:effectLst/>
                 <a:latin typeface="Helvetica" panose="020B0604020202020204" pitchFamily="34" charset="0"/>
                 <a:cs typeface="Helvetica" panose="020B0604020202020204" pitchFamily="34" charset="0"/>
@@ -8141,7 +8159,7 @@
               <a:t>Annals of Data Science</a:t>
             </a:r>
             <a:r>
-              <a:rPr lang="en-US" sz="1500" b="0" i="0" dirty="0">
+              <a:rPr lang="en-US" sz="1200" b="0" i="0" dirty="0">
                 <a:effectLst/>
                 <a:latin typeface="Helvetica" panose="020B0604020202020204" pitchFamily="34" charset="0"/>
                 <a:cs typeface="Helvetica" panose="020B0604020202020204" pitchFamily="34" charset="0"/>
@@ -8149,21 +8167,21 @@
               <a:t>, 6(4),</a:t>
             </a:r>
             <a:r>
-              <a:rPr lang="en-US" sz="1500" dirty="0">
+              <a:rPr lang="en-US" sz="1200" dirty="0">
                 <a:latin typeface="Helvetica" panose="020B0604020202020204" pitchFamily="34" charset="0"/>
                 <a:cs typeface="Helvetica" panose="020B0604020202020204" pitchFamily="34" charset="0"/>
               </a:rPr>
               <a:t> </a:t>
             </a:r>
             <a:r>
-              <a:rPr lang="en-US" sz="1500" b="0" i="0" dirty="0">
+              <a:rPr lang="en-US" sz="1200" b="0" i="0" dirty="0">
                 <a:effectLst/>
                 <a:latin typeface="Helvetica" panose="020B0604020202020204" pitchFamily="34" charset="0"/>
                 <a:cs typeface="Helvetica" panose="020B0604020202020204" pitchFamily="34" charset="0"/>
               </a:rPr>
               <a:t>737–763. </a:t>
             </a:r>
-            <a:endParaRPr lang="en-DE" sz="1500" dirty="0">
+            <a:endParaRPr lang="en-DE" sz="1200" dirty="0">
               <a:latin typeface="Helvetica" panose="020B0604020202020204" pitchFamily="34" charset="0"/>
               <a:cs typeface="Helvetica" panose="020B0604020202020204" pitchFamily="34" charset="0"/>
             </a:endParaRPr>
@@ -14850,7 +14868,7 @@
                 </a:solidFill>
                 <a:latin typeface="Helvetica" pitchFamily="2" charset="0"/>
               </a:rPr>
-              <a:t>Block 1 bessere Performance als Block mit allen Prädiktoren </a:t>
+              <a:t>Block 1 bessere Performanz als Block mit allen Prädiktoren </a:t>
             </a:r>
           </a:p>
           <a:p>
@@ -14957,8 +14975,8 @@
         </p:blipFill>
         <p:spPr>
           <a:xfrm>
-            <a:off x="4672792" y="31366523"/>
-            <a:ext cx="10055104" cy="6552020"/>
+            <a:off x="4472074" y="31214123"/>
+            <a:ext cx="9837394" cy="6552020"/>
           </a:xfrm>
           <a:prstGeom prst="rect">
             <a:avLst/>
@@ -14979,7 +14997,7 @@
         </p:nvSpPr>
         <p:spPr>
           <a:xfrm>
-            <a:off x="8725276" y="37975693"/>
+            <a:off x="8360266" y="37701373"/>
             <a:ext cx="1011381" cy="461665"/>
           </a:xfrm>
           <a:prstGeom prst="rect">
@@ -14998,7 +15016,7 @@
               <a:rPr lang="en-DE" sz="2400" dirty="0">
                 <a:latin typeface="Helvetica" pitchFamily="2" charset="0"/>
               </a:rPr>
-              <a:t>  OR</a:t>
+              <a:t>OR</a:t>
             </a:r>
             <a:endParaRPr lang="en-DE" dirty="0">
               <a:latin typeface="Helvetica" pitchFamily="2" charset="0"/>
@@ -15020,7 +15038,7 @@
         </p:nvSpPr>
         <p:spPr>
           <a:xfrm>
-            <a:off x="834092" y="31532787"/>
+            <a:off x="588770" y="31380387"/>
             <a:ext cx="3925293" cy="6076022"/>
           </a:xfrm>
           <a:prstGeom prst="rect">
@@ -15101,7 +15119,7 @@
               <a:rPr lang="en-DE" sz="2400" dirty="0">
                 <a:latin typeface="Helvetica" pitchFamily="2" charset="0"/>
               </a:rPr>
-              <a:t>-Wert &lt; .05 </a:t>
+              <a:t>-Wert: &gt; .05 </a:t>
             </a:r>
           </a:p>
           <a:p>
@@ -15120,7 +15138,19 @@
               <a:rPr lang="en-DE" sz="2400" dirty="0">
                 <a:latin typeface="Helvetica" pitchFamily="2" charset="0"/>
               </a:rPr>
-              <a:t>-Wert &gt; .05</a:t>
+              <a:t>-Wert: </a:t>
+            </a:r>
+            <a:r>
+              <a:rPr lang="en-DE" sz="2400" u="sng" dirty="0">
+                <a:latin typeface="Helvetica" pitchFamily="2" charset="0"/>
+              </a:rPr>
+              <a:t>&lt;</a:t>
+            </a:r>
+            <a:r>
+              <a:rPr lang="en-DE" sz="2400" dirty="0">
+                <a:latin typeface="Helvetica" pitchFamily="2" charset="0"/>
+              </a:rPr>
+              <a:t> .05</a:t>
             </a:r>
           </a:p>
           <a:p>
@@ -15133,7 +15163,19 @@
               <a:rPr lang="en-DE" sz="2400" dirty="0">
                 <a:latin typeface="Helvetica" pitchFamily="2" charset="0"/>
               </a:rPr>
-              <a:t>4 oder mehr Autor*innen</a:t>
+              <a:t>Autor*innen: </a:t>
+            </a:r>
+            <a:r>
+              <a:rPr lang="en-DE" sz="2400" u="sng" dirty="0">
+                <a:latin typeface="Helvetica" pitchFamily="2" charset="0"/>
+              </a:rPr>
+              <a:t>&gt;</a:t>
+            </a:r>
+            <a:r>
+              <a:rPr lang="en-DE" sz="2400" dirty="0">
+                <a:latin typeface="Helvetica" pitchFamily="2" charset="0"/>
+              </a:rPr>
+              <a:t> 4</a:t>
             </a:r>
           </a:p>
           <a:p>
@@ -15146,7 +15188,7 @@
               <a:rPr lang="en-DE" sz="2400" dirty="0">
                 <a:latin typeface="Helvetica" pitchFamily="2" charset="0"/>
               </a:rPr>
-              <a:t>2-3 Autor*innen</a:t>
+              <a:t>Autor*innen: 2-3 </a:t>
             </a:r>
           </a:p>
           <a:p>
@@ -15223,7 +15265,7 @@
         </p:nvSpPr>
         <p:spPr>
           <a:xfrm rot="16200000">
-            <a:off x="-506168" y="34209338"/>
+            <a:off x="-506168" y="34026458"/>
             <a:ext cx="2736647" cy="461665"/>
           </a:xfrm>
           <a:prstGeom prst="rect">
@@ -15282,6 +15324,204 @@
           </a:prstGeom>
         </p:spPr>
       </p:pic>
+      <p:sp>
+        <p:nvSpPr>
+          <p:cNvPr id="8" name="TextBox 7">
+            <a:extLst>
+              <a:ext uri="{FF2B5EF4-FFF2-40B4-BE49-F238E27FC236}">
+                <a16:creationId xmlns:a16="http://schemas.microsoft.com/office/drawing/2014/main" id="{A6CD9FB6-B39B-B23D-7D86-E7E0F9248F65}"/>
+              </a:ext>
+            </a:extLst>
+          </p:cNvPr>
+          <p:cNvSpPr txBox="1"/>
+          <p:nvPr/>
+        </p:nvSpPr>
+        <p:spPr>
+          <a:xfrm>
+            <a:off x="13604489" y="30851534"/>
+            <a:ext cx="1350772" cy="6617196"/>
+          </a:xfrm>
+          <a:prstGeom prst="rect">
+            <a:avLst/>
+          </a:prstGeom>
+          <a:noFill/>
+        </p:spPr>
+        <p:txBody>
+          <a:bodyPr wrap="square" rtlCol="0">
+            <a:spAutoFit/>
+          </a:bodyPr>
+          <a:lstStyle/>
+          <a:p>
+            <a:pPr algn="r">
+              <a:spcAft>
+                <a:spcPts val="1070"/>
+              </a:spcAft>
+            </a:pPr>
+            <a:r>
+              <a:rPr lang="en-DE" sz="2600" dirty="0">
+                <a:latin typeface="Helvetica" pitchFamily="2" charset="0"/>
+              </a:rPr>
+              <a:t>Median</a:t>
+            </a:r>
+          </a:p>
+          <a:p>
+            <a:pPr algn="r">
+              <a:spcAft>
+                <a:spcPts val="1070"/>
+              </a:spcAft>
+            </a:pPr>
+            <a:r>
+              <a:rPr lang="en-DE" sz="2400" dirty="0">
+                <a:latin typeface="Helvetica" pitchFamily="2" charset="0"/>
+              </a:rPr>
+              <a:t>0.71</a:t>
+            </a:r>
+          </a:p>
+          <a:p>
+            <a:pPr algn="r">
+              <a:spcAft>
+                <a:spcPts val="1070"/>
+              </a:spcAft>
+            </a:pPr>
+            <a:r>
+              <a:rPr lang="en-DE" sz="2400" dirty="0">
+                <a:latin typeface="Helvetica" pitchFamily="2" charset="0"/>
+              </a:rPr>
+              <a:t>1.00</a:t>
+            </a:r>
+          </a:p>
+          <a:p>
+            <a:pPr algn="r">
+              <a:spcAft>
+                <a:spcPts val="1070"/>
+              </a:spcAft>
+            </a:pPr>
+            <a:r>
+              <a:rPr lang="en-DE" sz="2400" dirty="0">
+                <a:latin typeface="Helvetica" pitchFamily="2" charset="0"/>
+              </a:rPr>
+              <a:t>0.85</a:t>
+            </a:r>
+          </a:p>
+          <a:p>
+            <a:pPr algn="r">
+              <a:spcAft>
+                <a:spcPts val="1070"/>
+              </a:spcAft>
+            </a:pPr>
+            <a:r>
+              <a:rPr lang="en-DE" sz="2400" dirty="0">
+                <a:latin typeface="Helvetica" pitchFamily="2" charset="0"/>
+              </a:rPr>
+              <a:t>0.74</a:t>
+            </a:r>
+          </a:p>
+          <a:p>
+            <a:pPr algn="r">
+              <a:spcAft>
+                <a:spcPts val="1070"/>
+              </a:spcAft>
+            </a:pPr>
+            <a:r>
+              <a:rPr lang="en-DE" sz="2400" dirty="0">
+                <a:latin typeface="Helvetica" pitchFamily="2" charset="0"/>
+              </a:rPr>
+              <a:t>1.00</a:t>
+            </a:r>
+          </a:p>
+          <a:p>
+            <a:pPr algn="r">
+              <a:spcAft>
+                <a:spcPts val="1070"/>
+              </a:spcAft>
+            </a:pPr>
+            <a:r>
+              <a:rPr lang="en-DE" sz="2400" dirty="0">
+                <a:latin typeface="Helvetica" pitchFamily="2" charset="0"/>
+              </a:rPr>
+              <a:t>0.97</a:t>
+            </a:r>
+          </a:p>
+          <a:p>
+            <a:pPr algn="r">
+              <a:spcAft>
+                <a:spcPts val="1070"/>
+              </a:spcAft>
+            </a:pPr>
+            <a:r>
+              <a:rPr lang="en-DE" sz="2400" dirty="0">
+                <a:latin typeface="Helvetica" pitchFamily="2" charset="0"/>
+              </a:rPr>
+              <a:t>0.70</a:t>
+            </a:r>
+          </a:p>
+          <a:p>
+            <a:pPr algn="r">
+              <a:spcAft>
+                <a:spcPts val="1070"/>
+              </a:spcAft>
+            </a:pPr>
+            <a:r>
+              <a:rPr lang="en-DE" sz="2400" dirty="0">
+                <a:latin typeface="Helvetica" pitchFamily="2" charset="0"/>
+              </a:rPr>
+              <a:t>1.00</a:t>
+            </a:r>
+          </a:p>
+          <a:p>
+            <a:pPr algn="r">
+              <a:spcAft>
+                <a:spcPts val="1070"/>
+              </a:spcAft>
+            </a:pPr>
+            <a:r>
+              <a:rPr lang="en-DE" sz="2400" dirty="0">
+                <a:latin typeface="Helvetica" pitchFamily="2" charset="0"/>
+              </a:rPr>
+              <a:t>1.16</a:t>
+            </a:r>
+          </a:p>
+          <a:p>
+            <a:pPr algn="r">
+              <a:spcAft>
+                <a:spcPts val="1070"/>
+              </a:spcAft>
+            </a:pPr>
+            <a:r>
+              <a:rPr lang="en-DE" sz="2400" dirty="0">
+                <a:latin typeface="Helvetica" pitchFamily="2" charset="0"/>
+              </a:rPr>
+              <a:t>1.27</a:t>
+            </a:r>
+          </a:p>
+          <a:p>
+            <a:pPr algn="r">
+              <a:spcAft>
+                <a:spcPts val="1070"/>
+              </a:spcAft>
+            </a:pPr>
+            <a:r>
+              <a:rPr lang="en-DE" sz="2400" dirty="0">
+                <a:latin typeface="Helvetica" pitchFamily="2" charset="0"/>
+              </a:rPr>
+              <a:t>0.93</a:t>
+            </a:r>
+          </a:p>
+          <a:p>
+            <a:pPr algn="r">
+              <a:spcAft>
+                <a:spcPts val="1070"/>
+              </a:spcAft>
+            </a:pPr>
+            <a:r>
+              <a:rPr lang="en-DE" sz="2400" dirty="0">
+                <a:latin typeface="Helvetica" pitchFamily="2" charset="0"/>
+              </a:rPr>
+              <a:t>1.00</a:t>
+            </a:r>
+          </a:p>
+        </p:txBody>
+      </p:sp>
     </p:spTree>
     <p:extLst>
       <p:ext uri="{BB962C8B-B14F-4D97-AF65-F5344CB8AC3E}">
